--- a/computer-programming/Lecture 2.pptx
+++ b/computer-programming/Lecture 2.pptx
@@ -256,7 +256,7 @@
           <a:p>
             <a:fld id="{B91E573E-041C-45DD-9631-6C2008C98523}" type="datetimeFigureOut">
               <a:rPr lang="en-GB" smtClean="0"/>
-              <a:t>12/09/2021</a:t>
+              <a:t>19/09/2021</a:t>
             </a:fld>
             <a:endParaRPr lang="en-GB"/>
           </a:p>
@@ -747,7 +747,7 @@
           <a:p>
             <a:fld id="{95B5DF84-07E9-4565-B860-4C2506098166}" type="datetime1">
               <a:rPr lang="en-US" smtClean="0"/>
-              <a:t>9/12/2021</a:t>
+              <a:t>9/19/2021</a:t>
             </a:fld>
             <a:endParaRPr lang="en-US"/>
           </a:p>
@@ -976,7 +976,7 @@
           <a:p>
             <a:fld id="{960F6506-0F25-4EA2-91B8-484FF9271E12}" type="datetime1">
               <a:rPr lang="en-US" smtClean="0"/>
-              <a:t>9/12/2021</a:t>
+              <a:t>9/19/2021</a:t>
             </a:fld>
             <a:endParaRPr lang="en-US"/>
           </a:p>
@@ -1190,7 +1190,7 @@
           <a:p>
             <a:fld id="{4D5D9D6D-FC73-4705-A688-18C67468128E}" type="datetime1">
               <a:rPr lang="en-US" smtClean="0"/>
-              <a:t>9/12/2021</a:t>
+              <a:t>9/19/2021</a:t>
             </a:fld>
             <a:endParaRPr lang="en-US"/>
           </a:p>
@@ -1338,7 +1338,7 @@
           <a:p>
             <a:fld id="{F8634273-8DCD-4A26-858E-1F505479E8AF}" type="datetime1">
               <a:rPr lang="en-US" smtClean="0"/>
-              <a:t>9/12/2021</a:t>
+              <a:t>9/19/2021</a:t>
             </a:fld>
             <a:endParaRPr lang="en-US"/>
           </a:p>
@@ -1457,7 +1457,7 @@
           <a:p>
             <a:fld id="{63D83C2E-492A-4AF4-A300-72E8523A1EB8}" type="datetime1">
               <a:rPr lang="en-US" smtClean="0"/>
-              <a:t>9/12/2021</a:t>
+              <a:t>9/19/2021</a:t>
             </a:fld>
             <a:endParaRPr lang="en-US"/>
           </a:p>
@@ -1783,7 +1783,7 @@
           <a:p>
             <a:fld id="{EEF0A274-2740-412B-A202-AD75BE8D4931}" type="datetime1">
               <a:rPr lang="en-US" smtClean="0"/>
-              <a:t>9/12/2021</a:t>
+              <a:t>9/19/2021</a:t>
             </a:fld>
             <a:endParaRPr lang="en-US"/>
           </a:p>
@@ -26053,7 +26053,7 @@
         <p:push/>
       </p:transition>
     </mc:Choice>
-    <mc:Fallback xmlns="" xmlns:m="http://schemas.openxmlformats.org/officeDocument/2006/math" xmlns:a14="http://schemas.microsoft.com/office/drawing/2010/main">
+    <mc:Fallback xmlns:a14="http://schemas.microsoft.com/office/drawing/2010/main" xmlns:m="http://schemas.openxmlformats.org/officeDocument/2006/math" xmlns="">
       <p:transition spd="med">
         <p:fade/>
       </p:transition>
